--- a/pptx/ПРОЕКТ.pptx
+++ b/pptx/ПРОЕКТ.pptx
@@ -295,7 +295,7 @@
           <a:p>
             <a:fld id="{CA708F61-7534-47D7-910F-9B8E00A4F500}" type="datetimeFigureOut">
               <a:rPr lang="ru-RU" smtClean="0"/>
-              <a:t>16.06.2024</a:t>
+              <a:t>05.07.2024</a:t>
             </a:fld>
             <a:endParaRPr lang="ru-RU"/>
           </a:p>
@@ -493,7 +493,7 @@
           <a:p>
             <a:fld id="{CA708F61-7534-47D7-910F-9B8E00A4F500}" type="datetimeFigureOut">
               <a:rPr lang="ru-RU" smtClean="0"/>
-              <a:t>16.06.2024</a:t>
+              <a:t>05.07.2024</a:t>
             </a:fld>
             <a:endParaRPr lang="ru-RU"/>
           </a:p>
@@ -701,7 +701,7 @@
           <a:p>
             <a:fld id="{CA708F61-7534-47D7-910F-9B8E00A4F500}" type="datetimeFigureOut">
               <a:rPr lang="ru-RU" smtClean="0"/>
-              <a:t>16.06.2024</a:t>
+              <a:t>05.07.2024</a:t>
             </a:fld>
             <a:endParaRPr lang="ru-RU"/>
           </a:p>
@@ -899,7 +899,7 @@
           <a:p>
             <a:fld id="{CA708F61-7534-47D7-910F-9B8E00A4F500}" type="datetimeFigureOut">
               <a:rPr lang="ru-RU" smtClean="0"/>
-              <a:t>16.06.2024</a:t>
+              <a:t>05.07.2024</a:t>
             </a:fld>
             <a:endParaRPr lang="ru-RU"/>
           </a:p>
@@ -1174,7 +1174,7 @@
           <a:p>
             <a:fld id="{CA708F61-7534-47D7-910F-9B8E00A4F500}" type="datetimeFigureOut">
               <a:rPr lang="ru-RU" smtClean="0"/>
-              <a:t>16.06.2024</a:t>
+              <a:t>05.07.2024</a:t>
             </a:fld>
             <a:endParaRPr lang="ru-RU"/>
           </a:p>
@@ -1439,7 +1439,7 @@
           <a:p>
             <a:fld id="{CA708F61-7534-47D7-910F-9B8E00A4F500}" type="datetimeFigureOut">
               <a:rPr lang="ru-RU" smtClean="0"/>
-              <a:t>16.06.2024</a:t>
+              <a:t>05.07.2024</a:t>
             </a:fld>
             <a:endParaRPr lang="ru-RU"/>
           </a:p>
@@ -1851,7 +1851,7 @@
           <a:p>
             <a:fld id="{CA708F61-7534-47D7-910F-9B8E00A4F500}" type="datetimeFigureOut">
               <a:rPr lang="ru-RU" smtClean="0"/>
-              <a:t>16.06.2024</a:t>
+              <a:t>05.07.2024</a:t>
             </a:fld>
             <a:endParaRPr lang="ru-RU"/>
           </a:p>
@@ -1992,7 +1992,7 @@
           <a:p>
             <a:fld id="{CA708F61-7534-47D7-910F-9B8E00A4F500}" type="datetimeFigureOut">
               <a:rPr lang="ru-RU" smtClean="0"/>
-              <a:t>16.06.2024</a:t>
+              <a:t>05.07.2024</a:t>
             </a:fld>
             <a:endParaRPr lang="ru-RU"/>
           </a:p>
@@ -2105,7 +2105,7 @@
           <a:p>
             <a:fld id="{CA708F61-7534-47D7-910F-9B8E00A4F500}" type="datetimeFigureOut">
               <a:rPr lang="ru-RU" smtClean="0"/>
-              <a:t>16.06.2024</a:t>
+              <a:t>05.07.2024</a:t>
             </a:fld>
             <a:endParaRPr lang="ru-RU"/>
           </a:p>
@@ -2416,7 +2416,7 @@
           <a:p>
             <a:fld id="{CA708F61-7534-47D7-910F-9B8E00A4F500}" type="datetimeFigureOut">
               <a:rPr lang="ru-RU" smtClean="0"/>
-              <a:t>16.06.2024</a:t>
+              <a:t>05.07.2024</a:t>
             </a:fld>
             <a:endParaRPr lang="ru-RU"/>
           </a:p>
@@ -2704,7 +2704,7 @@
           <a:p>
             <a:fld id="{CA708F61-7534-47D7-910F-9B8E00A4F500}" type="datetimeFigureOut">
               <a:rPr lang="ru-RU" smtClean="0"/>
-              <a:t>16.06.2024</a:t>
+              <a:t>05.07.2024</a:t>
             </a:fld>
             <a:endParaRPr lang="ru-RU"/>
           </a:p>
@@ -2945,7 +2945,7 @@
           <a:p>
             <a:fld id="{CA708F61-7534-47D7-910F-9B8E00A4F500}" type="datetimeFigureOut">
               <a:rPr lang="ru-RU" smtClean="0"/>
-              <a:t>16.06.2024</a:t>
+              <a:t>05.07.2024</a:t>
             </a:fld>
             <a:endParaRPr lang="ru-RU"/>
           </a:p>
@@ -3726,6 +3726,195 @@
           </a:p>
         </p:txBody>
       </p:sp>
+      <p:sp>
+        <p:nvSpPr>
+          <p:cNvPr id="2" name="Прямоугольник: скругленные углы 1">
+            <a:hlinkClick r:id="rId4" action="ppaction://hlinksldjump"/>
+            <a:extLst>
+              <a:ext uri="{FF2B5EF4-FFF2-40B4-BE49-F238E27FC236}">
+                <a16:creationId xmlns:a16="http://schemas.microsoft.com/office/drawing/2014/main" id="{9A0FCE3E-0EC7-59E3-5EDB-123766AA378E}"/>
+              </a:ext>
+            </a:extLst>
+          </p:cNvPr>
+          <p:cNvSpPr/>
+          <p:nvPr/>
+        </p:nvSpPr>
+        <p:spPr>
+          <a:xfrm>
+            <a:off x="9228408" y="3334055"/>
+            <a:ext cx="2963592" cy="984739"/>
+          </a:xfrm>
+          <a:prstGeom prst="roundRect">
+            <a:avLst/>
+          </a:prstGeom>
+          <a:solidFill>
+            <a:srgbClr val="D9E2F3"/>
+          </a:solidFill>
+        </p:spPr>
+        <p:style>
+          <a:lnRef idx="2">
+            <a:schemeClr val="accent1">
+              <a:shade val="15000"/>
+            </a:schemeClr>
+          </a:lnRef>
+          <a:fillRef idx="1">
+            <a:schemeClr val="accent1"/>
+          </a:fillRef>
+          <a:effectRef idx="0">
+            <a:schemeClr val="accent1"/>
+          </a:effectRef>
+          <a:fontRef idx="minor">
+            <a:schemeClr val="lt1"/>
+          </a:fontRef>
+        </p:style>
+        <p:txBody>
+          <a:bodyPr rtlCol="0" anchor="ctr"/>
+          <a:lstStyle/>
+          <a:p>
+            <a:pPr algn="ctr"/>
+            <a:r>
+              <a:rPr lang="ru-RU" dirty="0">
+                <a:solidFill>
+                  <a:schemeClr val="tx1">
+                    <a:lumMod val="95000"/>
+                    <a:lumOff val="5000"/>
+                  </a:schemeClr>
+                </a:solidFill>
+                <a:latin typeface="Tahoma" panose="020B0604030504040204" pitchFamily="34" charset="0"/>
+                <a:ea typeface="Tahoma" panose="020B0604030504040204" pitchFamily="34" charset="0"/>
+                <a:cs typeface="Tahoma" panose="020B0604030504040204" pitchFamily="34" charset="0"/>
+              </a:rPr>
+              <a:t>Все люди + распечатать все последние результаты</a:t>
+            </a:r>
+          </a:p>
+        </p:txBody>
+      </p:sp>
+      <p:sp>
+        <p:nvSpPr>
+          <p:cNvPr id="3" name="Прямоугольник: скругленные углы 2">
+            <a:hlinkClick r:id="rId4" action="ppaction://hlinksldjump"/>
+            <a:extLst>
+              <a:ext uri="{FF2B5EF4-FFF2-40B4-BE49-F238E27FC236}">
+                <a16:creationId xmlns:a16="http://schemas.microsoft.com/office/drawing/2014/main" id="{0E41152C-9201-126B-48DC-175B21F38F10}"/>
+              </a:ext>
+            </a:extLst>
+          </p:cNvPr>
+          <p:cNvSpPr/>
+          <p:nvPr/>
+        </p:nvSpPr>
+        <p:spPr>
+          <a:xfrm>
+            <a:off x="9228408" y="2201590"/>
+            <a:ext cx="2963592" cy="984739"/>
+          </a:xfrm>
+          <a:prstGeom prst="roundRect">
+            <a:avLst/>
+          </a:prstGeom>
+          <a:solidFill>
+            <a:srgbClr val="D9E2F3"/>
+          </a:solidFill>
+        </p:spPr>
+        <p:style>
+          <a:lnRef idx="2">
+            <a:schemeClr val="accent1">
+              <a:shade val="15000"/>
+            </a:schemeClr>
+          </a:lnRef>
+          <a:fillRef idx="1">
+            <a:schemeClr val="accent1"/>
+          </a:fillRef>
+          <a:effectRef idx="0">
+            <a:schemeClr val="accent1"/>
+          </a:effectRef>
+          <a:fontRef idx="minor">
+            <a:schemeClr val="lt1"/>
+          </a:fontRef>
+        </p:style>
+        <p:txBody>
+          <a:bodyPr rtlCol="0" anchor="ctr"/>
+          <a:lstStyle/>
+          <a:p>
+            <a:pPr algn="ctr"/>
+            <a:r>
+              <a:rPr lang="ru-RU" dirty="0">
+                <a:solidFill>
+                  <a:schemeClr val="tx1">
+                    <a:lumMod val="95000"/>
+                    <a:lumOff val="5000"/>
+                  </a:schemeClr>
+                </a:solidFill>
+                <a:latin typeface="Tahoma" panose="020B0604030504040204" pitchFamily="34" charset="0"/>
+                <a:ea typeface="Tahoma" panose="020B0604030504040204" pitchFamily="34" charset="0"/>
+                <a:cs typeface="Tahoma" panose="020B0604030504040204" pitchFamily="34" charset="0"/>
+              </a:rPr>
+              <a:t>Все люди + распечатать все последние результаты</a:t>
+            </a:r>
+          </a:p>
+        </p:txBody>
+      </p:sp>
+      <p:sp>
+        <p:nvSpPr>
+          <p:cNvPr id="4" name="Прямоугольник: скругленные углы 3">
+            <a:hlinkClick r:id="rId4" action="ppaction://hlinksldjump"/>
+            <a:extLst>
+              <a:ext uri="{FF2B5EF4-FFF2-40B4-BE49-F238E27FC236}">
+                <a16:creationId xmlns:a16="http://schemas.microsoft.com/office/drawing/2014/main" id="{B18DD492-2233-C4FD-3253-117AFEDDB37B}"/>
+              </a:ext>
+            </a:extLst>
+          </p:cNvPr>
+          <p:cNvSpPr/>
+          <p:nvPr/>
+        </p:nvSpPr>
+        <p:spPr>
+          <a:xfrm>
+            <a:off x="9228408" y="232112"/>
+            <a:ext cx="2963592" cy="984739"/>
+          </a:xfrm>
+          <a:prstGeom prst="roundRect">
+            <a:avLst/>
+          </a:prstGeom>
+          <a:solidFill>
+            <a:srgbClr val="D9E2F3"/>
+          </a:solidFill>
+        </p:spPr>
+        <p:style>
+          <a:lnRef idx="2">
+            <a:schemeClr val="accent1">
+              <a:shade val="15000"/>
+            </a:schemeClr>
+          </a:lnRef>
+          <a:fillRef idx="1">
+            <a:schemeClr val="accent1"/>
+          </a:fillRef>
+          <a:effectRef idx="0">
+            <a:schemeClr val="accent1"/>
+          </a:effectRef>
+          <a:fontRef idx="minor">
+            <a:schemeClr val="lt1"/>
+          </a:fontRef>
+        </p:style>
+        <p:txBody>
+          <a:bodyPr rtlCol="0" anchor="ctr"/>
+          <a:lstStyle/>
+          <a:p>
+            <a:pPr algn="ctr"/>
+            <a:r>
+              <a:rPr lang="ru-RU" dirty="0">
+                <a:solidFill>
+                  <a:schemeClr val="tx1">
+                    <a:lumMod val="95000"/>
+                    <a:lumOff val="5000"/>
+                  </a:schemeClr>
+                </a:solidFill>
+                <a:latin typeface="Tahoma" panose="020B0604030504040204" pitchFamily="34" charset="0"/>
+                <a:ea typeface="Tahoma" panose="020B0604030504040204" pitchFamily="34" charset="0"/>
+                <a:cs typeface="Tahoma" panose="020B0604030504040204" pitchFamily="34" charset="0"/>
+              </a:rPr>
+              <a:t>Все люди + распечатать все последние результаты</a:t>
+            </a:r>
+          </a:p>
+        </p:txBody>
+      </p:sp>
     </p:spTree>
     <p:extLst>
       <p:ext uri="{BB962C8B-B14F-4D97-AF65-F5344CB8AC3E}">
